--- a/Performance Optimization 101.pptx
+++ b/Performance Optimization 101.pptx
@@ -216,7 +216,7 @@
           <a:p>
             <a:fld id="{0D8968FE-AD3D-444F-B6A8-796D946DC3A6}" type="datetimeFigureOut">
               <a:rPr lang="en-US" smtClean="0"/>
-              <a:t>4/28/2021</a:t>
+              <a:t>4/30/2021</a:t>
             </a:fld>
             <a:endParaRPr lang="en-US" dirty="0"/>
           </a:p>
@@ -679,7 +679,7 @@
           <a:p>
             <a:fld id="{198E66DD-51B1-4BF7-9539-DEA51BFAEFD8}" type="datetime1">
               <a:rPr lang="en-US" smtClean="0"/>
-              <a:t>4/28/2021</a:t>
+              <a:t>4/30/2021</a:t>
             </a:fld>
             <a:endParaRPr lang="en-US" dirty="0"/>
           </a:p>
@@ -900,7 +900,7 @@
           <a:p>
             <a:fld id="{827A6260-7573-4697-9E59-AA19A1D5C255}" type="datetime1">
               <a:rPr lang="en-US" smtClean="0"/>
-              <a:t>4/28/2021</a:t>
+              <a:t>4/30/2021</a:t>
             </a:fld>
             <a:endParaRPr lang="en-US" dirty="0"/>
           </a:p>
@@ -1080,7 +1080,7 @@
           <a:p>
             <a:fld id="{AB049DE4-AD7B-432F-9E35-775F5F8CC6AD}" type="datetime1">
               <a:rPr lang="en-US" smtClean="0"/>
-              <a:t>4/28/2021</a:t>
+              <a:t>4/30/2021</a:t>
             </a:fld>
             <a:endParaRPr lang="en-US" dirty="0"/>
           </a:p>
@@ -1250,7 +1250,7 @@
           <a:p>
             <a:fld id="{CED204F4-028A-4A36-B306-1FBAFF258B24}" type="datetime1">
               <a:rPr lang="en-US" smtClean="0"/>
-              <a:t>4/28/2021</a:t>
+              <a:t>4/30/2021</a:t>
             </a:fld>
             <a:endParaRPr lang="en-US" dirty="0"/>
           </a:p>
@@ -1501,7 +1501,7 @@
           <a:p>
             <a:fld id="{A7569E6D-812C-4C70-BB51-98F32992DB43}" type="datetime1">
               <a:rPr lang="en-US" smtClean="0"/>
-              <a:t>4/28/2021</a:t>
+              <a:t>4/30/2021</a:t>
             </a:fld>
             <a:endParaRPr lang="en-US" dirty="0"/>
           </a:p>
@@ -1824,7 +1824,7 @@
           <a:p>
             <a:fld id="{F10287DF-640A-4181-8B82-4913718EF244}" type="datetime1">
               <a:rPr lang="en-US" smtClean="0"/>
-              <a:t>4/28/2021</a:t>
+              <a:t>4/30/2021</a:t>
             </a:fld>
             <a:endParaRPr lang="en-US" dirty="0"/>
           </a:p>
@@ -2248,7 +2248,7 @@
           <a:p>
             <a:fld id="{C74BE3E1-3173-4AB6-90EF-CE84B9FBD77E}" type="datetime1">
               <a:rPr lang="en-US" smtClean="0"/>
-              <a:t>4/28/2021</a:t>
+              <a:t>4/30/2021</a:t>
             </a:fld>
             <a:endParaRPr lang="en-US" dirty="0"/>
           </a:p>
@@ -2366,7 +2366,7 @@
           <a:p>
             <a:fld id="{CE46D357-68ED-48AA-AC18-9CC27DEA9490}" type="datetime1">
               <a:rPr lang="en-US" smtClean="0"/>
-              <a:t>4/28/2021</a:t>
+              <a:t>4/30/2021</a:t>
             </a:fld>
             <a:endParaRPr lang="en-US" dirty="0"/>
           </a:p>
@@ -2461,7 +2461,7 @@
           <a:p>
             <a:fld id="{ACC8BAEE-D0AF-4323-A024-1416F995B386}" type="datetime1">
               <a:rPr lang="en-US" smtClean="0"/>
-              <a:t>4/28/2021</a:t>
+              <a:t>4/30/2021</a:t>
             </a:fld>
             <a:endParaRPr lang="en-US" dirty="0"/>
           </a:p>
@@ -2751,7 +2751,7 @@
           <a:p>
             <a:fld id="{CD36E0D4-CA65-4DD1-8546-2CC4E75B8B9D}" type="datetime1">
               <a:rPr lang="en-US" smtClean="0"/>
-              <a:t>4/28/2021</a:t>
+              <a:t>4/30/2021</a:t>
             </a:fld>
             <a:endParaRPr lang="en-US" dirty="0"/>
           </a:p>
@@ -3023,7 +3023,7 @@
           <a:p>
             <a:fld id="{C19DEFE7-E1FA-4CA7-8A5A-F9AB210CE638}" type="datetime1">
               <a:rPr lang="en-US" smtClean="0"/>
-              <a:t>4/28/2021</a:t>
+              <a:t>4/30/2021</a:t>
             </a:fld>
             <a:endParaRPr lang="en-US" dirty="0"/>
           </a:p>
@@ -3277,7 +3277,7 @@
           <a:p>
             <a:fld id="{FD1E3FCC-785C-4EC4-B782-9133218B75DD}" type="datetime1">
               <a:rPr lang="en-US" smtClean="0"/>
-              <a:t>4/28/2021</a:t>
+              <a:t>4/30/2021</a:t>
             </a:fld>
             <a:endParaRPr lang="en-US" dirty="0"/>
           </a:p>
@@ -5685,42 +5685,6 @@
               <a:t>Thanks for listening</a:t>
             </a:r>
             <a:endParaRPr lang="en-IN" sz="6600" dirty="0"/>
-          </a:p>
-        </p:txBody>
-      </p:sp>
-      <p:sp>
-        <p:nvSpPr>
-          <p:cNvPr id="3" name="TextBox 2">
-            <a:extLst>
-              <a:ext uri="{FF2B5EF4-FFF2-40B4-BE49-F238E27FC236}">
-                <a16:creationId xmlns:a16="http://schemas.microsoft.com/office/drawing/2014/main" id="{EB98938B-72E3-4BBE-A564-E80DC39013B5}"/>
-              </a:ext>
-            </a:extLst>
-          </p:cNvPr>
-          <p:cNvSpPr txBox="1"/>
-          <p:nvPr/>
-        </p:nvSpPr>
-        <p:spPr>
-          <a:xfrm>
-            <a:off x="4563121" y="4172504"/>
-            <a:ext cx="2938509" cy="369332"/>
-          </a:xfrm>
-          <a:prstGeom prst="rect">
-            <a:avLst/>
-          </a:prstGeom>
-          <a:noFill/>
-        </p:spPr>
-        <p:txBody>
-          <a:bodyPr wrap="square" rtlCol="0">
-            <a:spAutoFit/>
-          </a:bodyPr>
-          <a:lstStyle/>
-          <a:p>
-            <a:r>
-              <a:rPr lang="en-US" dirty="0"/>
-              <a:t>sarathkumarc@Gislen.com</a:t>
-            </a:r>
-            <a:endParaRPr lang="en-IN" dirty="0"/>
           </a:p>
         </p:txBody>
       </p:sp>
@@ -7193,23 +7157,6 @@
 </file>
 
 <file path=customXml/item1.xml><?xml version="1.0" encoding="utf-8"?>
-<p:properties xmlns:p="http://schemas.microsoft.com/office/2006/metadata/properties" xmlns:xsi="http://www.w3.org/2001/XMLSchema-instance" xmlns:pc="http://schemas.microsoft.com/office/infopath/2007/PartnerControls">
-  <documentManagement>
-    <MediaServiceKeyPoints xmlns="71af3243-3dd4-4a8d-8c0d-dd76da1f02a5" xsi:nil="true"/>
-  </documentManagement>
-</p:properties>
-</file>
-
-<file path=customXml/item2.xml><?xml version="1.0" encoding="utf-8"?>
-<?mso-contentType ?>
-<FormTemplates xmlns="http://schemas.microsoft.com/sharepoint/v3/contenttype/forms">
-  <Display>DocumentLibraryForm</Display>
-  <Edit>DocumentLibraryForm</Edit>
-  <New>DocumentLibraryForm</New>
-</FormTemplates>
-</file>
-
-<file path=customXml/item3.xml><?xml version="1.0" encoding="utf-8"?>
 <ct:contentTypeSchema xmlns:ct="http://schemas.microsoft.com/office/2006/metadata/contentType" xmlns:ma="http://schemas.microsoft.com/office/2006/metadata/properties/metaAttributes" ct:_="" ma:_="" ma:contentTypeName="Document" ma:contentTypeID="0x01010079F111ED35F8CC479449609E8A0923A6" ma:contentTypeVersion="11" ma:contentTypeDescription="Create a new document." ma:contentTypeScope="" ma:versionID="9677210f24a1be23c92c90fd886aa0aa">
   <xsd:schema xmlns:xsd="http://www.w3.org/2001/XMLSchema" xmlns:xs="http://www.w3.org/2001/XMLSchema" xmlns:p="http://schemas.microsoft.com/office/2006/metadata/properties" xmlns:ns2="71af3243-3dd4-4a8d-8c0d-dd76da1f02a5" xmlns:ns3="16c05727-aa75-4e4a-9b5f-8a80a1165891" targetNamespace="http://schemas.microsoft.com/office/2006/metadata/properties" ma:root="true" ma:fieldsID="60e05723c5c1908df1a1a4ebf11d344e" ns2:_="" ns3:_="">
     <xsd:import namespace="71af3243-3dd4-4a8d-8c0d-dd76da1f02a5"/>
@@ -7420,25 +7367,24 @@
 </ct:contentTypeSchema>
 </file>
 
-<file path=customXml/itemProps1.xml><?xml version="1.0" encoding="utf-8"?>
-<ds:datastoreItem xmlns:ds="http://schemas.openxmlformats.org/officeDocument/2006/customXml" ds:itemID="{AD24716F-C831-4AC2-BB0A-5EC60E4671B3}">
-  <ds:schemaRefs>
-    <ds:schemaRef ds:uri="http://schemas.microsoft.com/office/2006/metadata/properties"/>
-    <ds:schemaRef ds:uri="http://schemas.microsoft.com/office/infopath/2007/PartnerControls"/>
-    <ds:schemaRef ds:uri="71af3243-3dd4-4a8d-8c0d-dd76da1f02a5"/>
-  </ds:schemaRefs>
-</ds:datastoreItem>
+<file path=customXml/item2.xml><?xml version="1.0" encoding="utf-8"?>
+<?mso-contentType ?>
+<FormTemplates xmlns="http://schemas.microsoft.com/sharepoint/v3/contenttype/forms">
+  <Display>DocumentLibraryForm</Display>
+  <Edit>DocumentLibraryForm</Edit>
+  <New>DocumentLibraryForm</New>
+</FormTemplates>
 </file>
 
-<file path=customXml/itemProps2.xml><?xml version="1.0" encoding="utf-8"?>
-<ds:datastoreItem xmlns:ds="http://schemas.openxmlformats.org/officeDocument/2006/customXml" ds:itemID="{58F3D8C7-1E6F-4D15-8163-ADBC81A00AAD}">
-  <ds:schemaRefs>
-    <ds:schemaRef ds:uri="http://schemas.microsoft.com/sharepoint/v3/contenttype/forms"/>
-  </ds:schemaRefs>
-</ds:datastoreItem>
+<file path=customXml/item3.xml><?xml version="1.0" encoding="utf-8"?>
+<p:properties xmlns:p="http://schemas.microsoft.com/office/2006/metadata/properties" xmlns:xsi="http://www.w3.org/2001/XMLSchema-instance" xmlns:pc="http://schemas.microsoft.com/office/infopath/2007/PartnerControls">
+  <documentManagement>
+    <MediaServiceKeyPoints xmlns="71af3243-3dd4-4a8d-8c0d-dd76da1f02a5" xsi:nil="true"/>
+  </documentManagement>
+</p:properties>
 </file>
 
-<file path=customXml/itemProps3.xml><?xml version="1.0" encoding="utf-8"?>
+<file path=customXml/itemProps1.xml><?xml version="1.0" encoding="utf-8"?>
 <ds:datastoreItem xmlns:ds="http://schemas.openxmlformats.org/officeDocument/2006/customXml" ds:itemID="{F3A8986E-DA64-415A-A390-AF2FFA01BA73}">
   <ds:schemaRefs>
     <ds:schemaRef ds:uri="http://schemas.microsoft.com/office/2006/metadata/contentType"/>
@@ -7455,4 +7401,22 @@
     <ds:schemaRef ds:uri="http://schemas.microsoft.com/internal/obd"/>
   </ds:schemaRefs>
 </ds:datastoreItem>
+</file>
+
+<file path=customXml/itemProps2.xml><?xml version="1.0" encoding="utf-8"?>
+<ds:datastoreItem xmlns:ds="http://schemas.openxmlformats.org/officeDocument/2006/customXml" ds:itemID="{58F3D8C7-1E6F-4D15-8163-ADBC81A00AAD}">
+  <ds:schemaRefs>
+    <ds:schemaRef ds:uri="http://schemas.microsoft.com/sharepoint/v3/contenttype/forms"/>
+  </ds:schemaRefs>
+</ds:datastoreItem>
+</file>
+
+<file path=customXml/itemProps3.xml><?xml version="1.0" encoding="utf-8"?>
+<ds:datastoreItem xmlns:ds="http://schemas.openxmlformats.org/officeDocument/2006/customXml" ds:itemID="{AD24716F-C831-4AC2-BB0A-5EC60E4671B3}">
+  <ds:schemaRefs>
+    <ds:schemaRef ds:uri="http://schemas.microsoft.com/office/2006/metadata/properties"/>
+    <ds:schemaRef ds:uri="http://schemas.microsoft.com/office/infopath/2007/PartnerControls"/>
+    <ds:schemaRef ds:uri="71af3243-3dd4-4a8d-8c0d-dd76da1f02a5"/>
+  </ds:schemaRefs>
+</ds:datastoreItem>
 </file>